--- a/modules/PPT/Mortality1.pptx
+++ b/modules/PPT/Mortality1.pptx
@@ -18347,8 +18347,13 @@
             <a:pPr lvl="1"/>
             <a:r>
               <a:rPr lang="en-US" dirty="0"/>
-              <a:t>… population is closed</a:t>
-            </a:r>
+              <a:t>… population is </a:t>
+            </a:r>
+            <a:r>
+              <a:rPr lang="en-US" dirty="0" smtClean="0"/>
+              <a:t>closed to migration</a:t>
+            </a:r>
+            <a:endParaRPr lang="en-US" dirty="0"/>
           </a:p>
           <a:p>
             <a:pPr lvl="1"/>
